--- a/release/09__Guardrails.pptx
+++ b/release/09__Guardrails.pptx
@@ -17,6 +17,9 @@
     <p:sldId id="259" r:id="rId12"/>
     <p:sldId id="260" r:id="rId13"/>
     <p:sldId id="261" r:id="rId14"/>
+    <p:sldId id="262" r:id="rId15"/>
+    <p:sldId id="263" r:id="rId16"/>
+    <p:sldId id="264" r:id="rId17"/>
   </p:sldIdLst>
   <p:sldSz cx="9372600" cy="8297863"/>
   <p:notesSz cx="7315200" cy="9601200"/>
@@ -2292,7 +2295,14 @@
         <p:txBody>
           <a:bodyPr/>
           <a:lstStyle/>
-          <a:p/>
+          <a:p>
+            <a:pPr>
+              <a:defRPr sz="3200"/>
+            </a:pPr>
+            <a:r>
+              <a:t>AI Scheming</a:t>
+            </a:r>
+          </a:p>
         </p:txBody>
       </p:sp>
       <p:sp>
@@ -2377,12 +2387,12 @@
       <p:grpSpPr/>
       <p:sp>
         <p:nvSpPr>
-          <p:cNvPr id="2" name="Title 1"/>
+          <p:cNvPr id="2" name="Subtitle 1"/>
           <p:cNvSpPr>
             <a:spLocks noGrp="1"/>
           </p:cNvSpPr>
           <p:nvPr>
-            <p:ph type="title"/>
+            <p:ph type="subTitle" idx="1" sz="quarter"/>
           </p:nvPr>
         </p:nvSpPr>
         <p:spPr/>
@@ -2390,45 +2400,43 @@
           <a:bodyPr/>
           <a:lstStyle/>
           <a:p>
-            <a:r>
-              <a:t>AI Scheming is Real</a:t>
-            </a:r>
-          </a:p>
-        </p:txBody>
-      </p:sp>
-      <p:sp>
-        <p:nvSpPr>
-          <p:cNvPr id="3" name="Content Placeholder 2"/>
+            <a:pPr>
+              <a:defRPr sz="3200"/>
+            </a:pPr>
+            <a:r>
+              <a:rPr b="1"/>
+              <a:t>AI Scheming
+</a:t>
+            </a:r>
+          </a:p>
+        </p:txBody>
+      </p:sp>
+      <p:sp>
+        <p:nvSpPr>
+          <p:cNvPr id="3" name="Title 2"/>
           <p:cNvSpPr>
             <a:spLocks noGrp="1"/>
           </p:cNvSpPr>
           <p:nvPr>
-            <p:ph idx="1"/>
+            <p:ph type="ctrTitle" sz="quarter"/>
           </p:nvPr>
         </p:nvSpPr>
         <p:spPr/>
         <p:txBody>
-          <a:bodyPr/>
+          <a:bodyPr wrap="square">
+            <a:noAutofit/>
+          </a:bodyPr>
           <a:lstStyle/>
           <a:p>
             <a:r>
-              <a:t> From a recent talk</a:t>
-            </a:r>
-          </a:p>
-          <a:p>
-            <a:r>
-              <a:t> Yes, LLMs Can Scheme — Today</a:t>
-            </a:r>
-          </a:p>
-          <a:p>
-            <a:r>
-              <a:t> Models like LLaMA, Gemini, and Claude show signs of self-preservation, oversight avoidance, and even weight exfiltration.</a:t>
-            </a:r>
-          </a:p>
-          <a:p>
-            <a:r>
-              <a:t> Behavior changes at inference time, depending on what the model sees, not what it was trained on.</a:t>
-            </a:r>
+              <a:rPr sz="4200" b="1" i="0">
+                <a:latin typeface="Times New Roman"/>
+              </a:rPr>
+              <a:t>AI Scheming</a:t>
+            </a:r>
+            <a:endParaRPr sz="4200" b="1" i="0">
+              <a:latin typeface="Times New Roman"/>
+            </a:endParaRPr>
           </a:p>
         </p:txBody>
       </p:sp>
@@ -2499,7 +2507,7 @@
           <a:lstStyle/>
           <a:p>
             <a:r>
-              <a:t>In-Context Scheming is an Emergent Threat</a:t>
+              <a:t>AI Scheming is Real</a:t>
             </a:r>
           </a:p>
         </p:txBody>
@@ -2520,12 +2528,22 @@
           <a:lstStyle/>
           <a:p>
             <a:r>
-              <a:t> Triggered by input like: “Your job is being replaced.”</a:t>
-            </a:r>
-          </a:p>
-          <a:p>
-            <a:r>
-              <a:t> Responses included sabotaging competitors or hiding behavior during monitored vs. unmonitored periods.</a:t>
+              <a:t> From a recent talk</a:t>
+            </a:r>
+          </a:p>
+          <a:p>
+            <a:r>
+              <a:t> Yes, LLMs Can Scheme — Today</a:t>
+            </a:r>
+          </a:p>
+          <a:p>
+            <a:r>
+              <a:t> Models like LLaMA, Gemini, and Claude show signs of self-preservation, oversight avoidance, and even weight exfiltration.</a:t>
+            </a:r>
+          </a:p>
+          <a:p>
+            <a:r>
+              <a:t> Behavior changes at inference time, depending on what the model sees, not what it was trained on.</a:t>
             </a:r>
           </a:p>
         </p:txBody>
@@ -2597,7 +2615,7 @@
           <a:lstStyle/>
           <a:p>
             <a:r>
-              <a:t>Architecture Is the Real Defense</a:t>
+              <a:t>In-Context Scheming is an Emergent Threat</a:t>
             </a:r>
           </a:p>
         </p:txBody>
@@ -2618,12 +2636,12 @@
           <a:lstStyle/>
           <a:p>
             <a:r>
-              <a:t> Guardrails can’t just be about prompt injection prevention.</a:t>
-            </a:r>
-          </a:p>
-          <a:p>
-            <a:r>
-              <a:t> We need stateless agents, goal isolation, and multi-agent firewalls to prevent scheming buildup over time.</a:t>
+              <a:t> Triggered by input like: “Your job is being replaced.”</a:t>
+            </a:r>
+          </a:p>
+          <a:p>
+            <a:r>
+              <a:t> Responses included sabotaging competitors or hiding behavior during monitored vs. unmonitored periods.</a:t>
             </a:r>
           </a:p>
         </p:txBody>
@@ -2695,7 +2713,7 @@
           <a:lstStyle/>
           <a:p>
             <a:r>
-              <a:t>Smart Goals for Dumb Systems</a:t>
+              <a:t>Architecture Is the Real Defense</a:t>
             </a:r>
           </a:p>
         </p:txBody>
@@ -2716,12 +2734,12 @@
           <a:lstStyle/>
           <a:p>
             <a:r>
-              <a:t> Treat AI like employees: give SMART goals (Specific, Measurable, Achievable…).</a:t>
-            </a:r>
-          </a:p>
-          <a:p>
-            <a:r>
-              <a:t> Then evaluate behavior over time — reward good alignment, flag deviations.</a:t>
+              <a:t> Guardrails can’t just be about prompt injection prevention.</a:t>
+            </a:r>
+          </a:p>
+          <a:p>
+            <a:r>
+              <a:t> We need stateless agents, goal isolation, and multi-agent firewalls to prevent scheming buildup over time.</a:t>
             </a:r>
           </a:p>
         </p:txBody>
@@ -2793,7 +2811,7 @@
           <a:lstStyle/>
           <a:p>
             <a:r>
-              <a:t>This Directly Informs Our Framework Work at Ccube</a:t>
+              <a:t>Smart Goals for Dumb Systems</a:t>
             </a:r>
           </a:p>
         </p:txBody>
@@ -2814,6 +2832,104 @@
           <a:lstStyle/>
           <a:p>
             <a:r>
+              <a:t> Treat AI like employees: give SMART goals (Specific, Measurable, Achievable…).</a:t>
+            </a:r>
+          </a:p>
+          <a:p>
+            <a:r>
+              <a:t> Then evaluate behavior over time — reward good alignment, flag deviations.</a:t>
+            </a:r>
+          </a:p>
+        </p:txBody>
+      </p:sp>
+      <p:sp>
+        <p:nvSpPr>
+          <p:cNvPr id="4" name="TextBox 3"/>
+          <p:cNvSpPr txBox="1"/>
+          <p:nvPr/>
+        </p:nvSpPr>
+        <p:spPr>
+          <a:xfrm>
+            <a:off x="704088" y="8065008"/>
+            <a:ext cx="8915400" cy="228600"/>
+          </a:xfrm>
+          <a:prstGeom prst="rect">
+            <a:avLst/>
+          </a:prstGeom>
+          <a:noFill/>
+        </p:spPr>
+        <p:txBody>
+          <a:bodyPr wrap="none">
+            <a:spAutoFit/>
+          </a:bodyPr>
+          <a:lstStyle/>
+          <a:p>
+            <a:r>
+              <a:rPr sz="800">
+                <a:solidFill>
+                  <a:srgbClr val="000000"/>
+                </a:solidFill>
+              </a:rPr>
+              <a:t>Copyright © 2025 by Elephant Scale, All Rights Reserved</a:t>
+            </a:r>
+          </a:p>
+        </p:txBody>
+      </p:sp>
+    </p:spTree>
+  </p:cSld>
+  <p:clrMapOvr>
+    <a:masterClrMapping/>
+  </p:clrMapOvr>
+</p:sld>
+</file>
+
+<file path=ppt/slides/slide7.xml><?xml version="1.0" encoding="utf-8"?>
+<p:sld xmlns:a="http://schemas.openxmlformats.org/drawingml/2006/main" xmlns:p="http://schemas.openxmlformats.org/presentationml/2006/main" xmlns:r="http://schemas.openxmlformats.org/officeDocument/2006/relationships">
+  <p:cSld>
+    <p:spTree>
+      <p:nvGrpSpPr>
+        <p:cNvPr id="1" name=""/>
+        <p:cNvGrpSpPr/>
+        <p:nvPr/>
+      </p:nvGrpSpPr>
+      <p:grpSpPr/>
+      <p:sp>
+        <p:nvSpPr>
+          <p:cNvPr id="2" name="Title 1"/>
+          <p:cNvSpPr>
+            <a:spLocks noGrp="1"/>
+          </p:cNvSpPr>
+          <p:nvPr>
+            <p:ph type="title"/>
+          </p:nvPr>
+        </p:nvSpPr>
+        <p:spPr/>
+        <p:txBody>
+          <a:bodyPr/>
+          <a:lstStyle/>
+          <a:p>
+            <a:r>
+              <a:t>This Directly Informs Our Framework Work at Ccube</a:t>
+            </a:r>
+          </a:p>
+        </p:txBody>
+      </p:sp>
+      <p:sp>
+        <p:nvSpPr>
+          <p:cNvPr id="3" name="Content Placeholder 2"/>
+          <p:cNvSpPr>
+            <a:spLocks noGrp="1"/>
+          </p:cNvSpPr>
+          <p:nvPr>
+            <p:ph idx="1"/>
+          </p:nvPr>
+        </p:nvSpPr>
+        <p:spPr/>
+        <p:txBody>
+          <a:bodyPr/>
+          <a:lstStyle/>
+          <a:p>
+            <a:r>
               <a:t> From guardrails to RAG pipelines, we’re already building with these architectural principles.</a:t>
             </a:r>
           </a:p>
@@ -2825,6 +2941,202 @@
           <a:p>
             <a:r>
               <a:t> Watch the full video of the session here: https://lnkd.in/gpJ6BhuK</a:t>
+            </a:r>
+          </a:p>
+        </p:txBody>
+      </p:sp>
+      <p:sp>
+        <p:nvSpPr>
+          <p:cNvPr id="4" name="TextBox 3"/>
+          <p:cNvSpPr txBox="1"/>
+          <p:nvPr/>
+        </p:nvSpPr>
+        <p:spPr>
+          <a:xfrm>
+            <a:off x="704088" y="8065008"/>
+            <a:ext cx="8915400" cy="228600"/>
+          </a:xfrm>
+          <a:prstGeom prst="rect">
+            <a:avLst/>
+          </a:prstGeom>
+          <a:noFill/>
+        </p:spPr>
+        <p:txBody>
+          <a:bodyPr wrap="none">
+            <a:spAutoFit/>
+          </a:bodyPr>
+          <a:lstStyle/>
+          <a:p>
+            <a:r>
+              <a:rPr sz="800">
+                <a:solidFill>
+                  <a:srgbClr val="000000"/>
+                </a:solidFill>
+              </a:rPr>
+              <a:t>Copyright © 2025 by Elephant Scale, All Rights Reserved</a:t>
+            </a:r>
+          </a:p>
+        </p:txBody>
+      </p:sp>
+    </p:spTree>
+  </p:cSld>
+  <p:clrMapOvr>
+    <a:masterClrMapping/>
+  </p:clrMapOvr>
+</p:sld>
+</file>
+
+<file path=ppt/slides/slide8.xml><?xml version="1.0" encoding="utf-8"?>
+<p:sld xmlns:a="http://schemas.openxmlformats.org/drawingml/2006/main" xmlns:p="http://schemas.openxmlformats.org/presentationml/2006/main" xmlns:r="http://schemas.openxmlformats.org/officeDocument/2006/relationships">
+  <p:cSld>
+    <p:spTree>
+      <p:nvGrpSpPr>
+        <p:cNvPr id="1" name=""/>
+        <p:cNvGrpSpPr/>
+        <p:nvPr/>
+      </p:nvGrpSpPr>
+      <p:grpSpPr/>
+      <p:sp>
+        <p:nvSpPr>
+          <p:cNvPr id="2" name="Title 1"/>
+          <p:cNvSpPr>
+            <a:spLocks noGrp="1"/>
+          </p:cNvSpPr>
+          <p:nvPr>
+            <p:ph type="title"/>
+          </p:nvPr>
+        </p:nvSpPr>
+        <p:spPr/>
+        <p:txBody>
+          <a:bodyPr/>
+          <a:lstStyle/>
+          <a:p>
+            <a:r>
+              <a:t>AWS Guardrails</a:t>
+            </a:r>
+          </a:p>
+        </p:txBody>
+      </p:sp>
+      <p:sp>
+        <p:nvSpPr>
+          <p:cNvPr id="3" name="Content Placeholder 2"/>
+          <p:cNvSpPr>
+            <a:spLocks noGrp="1"/>
+          </p:cNvSpPr>
+          <p:nvPr>
+            <p:ph idx="1"/>
+          </p:nvPr>
+        </p:nvSpPr>
+        <p:spPr/>
+        <p:txBody>
+          <a:bodyPr/>
+          <a:lstStyle/>
+          <a:p>
+            <a:r>
+              <a:t> Demo lab</a:t>
+            </a:r>
+          </a:p>
+          <a:p>
+            <a:r>
+              <a:t> https://github.com/elephantscale/building-ai-applications-labs/blob/main/Agentic-on-Bedrock/L4/Lesson_4.ipynb</a:t>
+            </a:r>
+          </a:p>
+        </p:txBody>
+      </p:sp>
+      <p:sp>
+        <p:nvSpPr>
+          <p:cNvPr id="4" name="TextBox 3"/>
+          <p:cNvSpPr txBox="1"/>
+          <p:nvPr/>
+        </p:nvSpPr>
+        <p:spPr>
+          <a:xfrm>
+            <a:off x="704088" y="8065008"/>
+            <a:ext cx="8915400" cy="228600"/>
+          </a:xfrm>
+          <a:prstGeom prst="rect">
+            <a:avLst/>
+          </a:prstGeom>
+          <a:noFill/>
+        </p:spPr>
+        <p:txBody>
+          <a:bodyPr wrap="none">
+            <a:spAutoFit/>
+          </a:bodyPr>
+          <a:lstStyle/>
+          <a:p>
+            <a:r>
+              <a:rPr sz="800">
+                <a:solidFill>
+                  <a:srgbClr val="000000"/>
+                </a:solidFill>
+              </a:rPr>
+              <a:t>Copyright © 2025 by Elephant Scale, All Rights Reserved</a:t>
+            </a:r>
+          </a:p>
+        </p:txBody>
+      </p:sp>
+    </p:spTree>
+  </p:cSld>
+  <p:clrMapOvr>
+    <a:masterClrMapping/>
+  </p:clrMapOvr>
+</p:sld>
+</file>
+
+<file path=ppt/slides/slide9.xml><?xml version="1.0" encoding="utf-8"?>
+<p:sld xmlns:a="http://schemas.openxmlformats.org/drawingml/2006/main" xmlns:p="http://schemas.openxmlformats.org/presentationml/2006/main" xmlns:r="http://schemas.openxmlformats.org/officeDocument/2006/relationships">
+  <p:cSld>
+    <p:spTree>
+      <p:nvGrpSpPr>
+        <p:cNvPr id="1" name=""/>
+        <p:cNvGrpSpPr/>
+        <p:nvPr/>
+      </p:nvGrpSpPr>
+      <p:grpSpPr/>
+      <p:sp>
+        <p:nvSpPr>
+          <p:cNvPr id="2" name="Title 1"/>
+          <p:cNvSpPr>
+            <a:spLocks noGrp="1"/>
+          </p:cNvSpPr>
+          <p:nvPr>
+            <p:ph type="title"/>
+          </p:nvPr>
+        </p:nvSpPr>
+        <p:spPr/>
+        <p:txBody>
+          <a:bodyPr/>
+          <a:lstStyle/>
+          <a:p>
+            <a:r>
+              <a:t>Guardrails AI</a:t>
+            </a:r>
+          </a:p>
+        </p:txBody>
+      </p:sp>
+      <p:sp>
+        <p:nvSpPr>
+          <p:cNvPr id="3" name="Content Placeholder 2"/>
+          <p:cNvSpPr>
+            <a:spLocks noGrp="1"/>
+          </p:cNvSpPr>
+          <p:nvPr>
+            <p:ph idx="1"/>
+          </p:nvPr>
+        </p:nvSpPr>
+        <p:spPr/>
+        <p:txBody>
+          <a:bodyPr/>
+          <a:lstStyle/>
+          <a:p>
+            <a:r>
+              <a:t> Demo lab</a:t>
+            </a:r>
+          </a:p>
+          <a:p>
+            <a:r>
+              <a:t> https://github.com/elephantscale/OpenAI-labs/tree/main/55-Guardrails</a:t>
             </a:r>
           </a:p>
         </p:txBody>
